--- a/FLG 0789.PPTX
+++ b/FLG 0789.PPTX
@@ -5,10 +5,10 @@
     <p:sldMasterId id="2147483648" r:id="rId1"/>
   </p:sldMasterIdLst>
   <p:notesMasterIdLst>
-    <p:notesMasterId r:id="rId44"/>
+    <p:notesMasterId r:id="rId51"/>
   </p:notesMasterIdLst>
   <p:handoutMasterIdLst>
-    <p:handoutMasterId r:id="rId45"/>
+    <p:handoutMasterId r:id="rId52"/>
   </p:handoutMasterIdLst>
   <p:sldIdLst>
     <p:sldId id="298" r:id="rId2"/>
@@ -53,6 +53,13 @@
     <p:sldId id="355" r:id="rId41"/>
     <p:sldId id="356" r:id="rId42"/>
     <p:sldId id="357" r:id="rId43"/>
+    <p:sldId id="359" r:id="rId44"/>
+    <p:sldId id="362" r:id="rId45"/>
+    <p:sldId id="363" r:id="rId46"/>
+    <p:sldId id="364" r:id="rId47"/>
+    <p:sldId id="360" r:id="rId48"/>
+    <p:sldId id="361" r:id="rId49"/>
+    <p:sldId id="365" r:id="rId50"/>
   </p:sldIdLst>
   <p:sldSz cx="9906000" cy="6858000" type="A4"/>
   <p:notesSz cx="6794500" cy="9931400"/>
@@ -230,6 +237,13 @@
             <p14:sldId id="355"/>
             <p14:sldId id="356"/>
             <p14:sldId id="357"/>
+            <p14:sldId id="359"/>
+            <p14:sldId id="362"/>
+            <p14:sldId id="363"/>
+            <p14:sldId id="364"/>
+            <p14:sldId id="360"/>
+            <p14:sldId id="361"/>
+            <p14:sldId id="365"/>
           </p14:sldIdLst>
         </p14:section>
       </p14:sectionLst>
@@ -394,7 +408,7 @@
           <a:p>
             <a:fld id="{675DDB26-5A39-475D-920B-32AAE1E9FCB7}" type="datetimeFigureOut">
               <a:rPr lang="pt-PT" smtClean="0"/>
-              <a:t>03-12-2014</a:t>
+              <a:t>12-12-2014</a:t>
             </a:fld>
             <a:endParaRPr lang="pt-PT"/>
           </a:p>
@@ -559,7 +573,7 @@
           <a:p>
             <a:fld id="{38934A03-512B-4175-A05C-244CAC0C2483}" type="datetimeFigureOut">
               <a:rPr lang="de-DE" smtClean="0"/>
-              <a:t>03.12.2014</a:t>
+              <a:t>12.12.2014</a:t>
             </a:fld>
             <a:endParaRPr lang="de-DE"/>
           </a:p>
@@ -6344,7 +6358,7 @@
         </p:nvGraphicFramePr>
         <p:xfrm>
           <a:off x="3440248" y="1187450"/>
-          <a:ext cx="5958205" cy="947547"/>
+          <a:ext cx="5958205" cy="963930"/>
         </p:xfrm>
         <a:graphic>
           <a:graphicData uri="http://schemas.openxmlformats.org/drawingml/2006/table">
@@ -25819,6 +25833,1389 @@
       </p:par>
     </p:tnLst>
   </p:timing>
+</p:sld>
+</file>
+
+<file path=ppt/slides/slide43.xml><?xml version="1.0" encoding="utf-8"?>
+<p:sld xmlns:a="http://schemas.openxmlformats.org/drawingml/2006/main" xmlns:r="http://schemas.openxmlformats.org/officeDocument/2006/relationships" xmlns:p="http://schemas.openxmlformats.org/presentationml/2006/main">
+  <p:cSld>
+    <p:spTree>
+      <p:nvGrpSpPr>
+        <p:cNvPr id="1" name=""/>
+        <p:cNvGrpSpPr/>
+        <p:nvPr/>
+      </p:nvGrpSpPr>
+      <p:grpSpPr>
+        <a:xfrm>
+          <a:off x="0" y="0"/>
+          <a:ext cx="0" cy="0"/>
+          <a:chOff x="0" y="0"/>
+          <a:chExt cx="0" cy="0"/>
+        </a:xfrm>
+      </p:grpSpPr>
+      <p:sp>
+        <p:nvSpPr>
+          <p:cNvPr id="2" name="Date Placeholder 1"/>
+          <p:cNvSpPr>
+            <a:spLocks noGrp="1"/>
+          </p:cNvSpPr>
+          <p:nvPr>
+            <p:ph type="dt" sz="half" idx="10"/>
+          </p:nvPr>
+        </p:nvSpPr>
+        <p:spPr/>
+        <p:txBody>
+          <a:bodyPr/>
+          <a:lstStyle/>
+          <a:p>
+            <a:r>
+              <a:rPr lang="pt-PT" smtClean="0"/>
+              <a:t>www.atec.pt</a:t>
+            </a:r>
+            <a:endParaRPr lang="de-DE" dirty="0"/>
+          </a:p>
+        </p:txBody>
+      </p:sp>
+      <p:sp>
+        <p:nvSpPr>
+          <p:cNvPr id="3" name="Slide Number Placeholder 2"/>
+          <p:cNvSpPr>
+            <a:spLocks noGrp="1"/>
+          </p:cNvSpPr>
+          <p:nvPr>
+            <p:ph type="sldNum" sz="quarter" idx="12"/>
+          </p:nvPr>
+        </p:nvSpPr>
+        <p:spPr/>
+        <p:txBody>
+          <a:bodyPr/>
+          <a:lstStyle/>
+          <a:p>
+            <a:r>
+              <a:rPr lang="de-DE" smtClean="0"/>
+              <a:t>Page </a:t>
+            </a:r>
+            <a:fld id="{A5BB97A9-7D72-4F8F-8BC5-4E547C3F4DC5}" type="slidenum">
+              <a:rPr lang="de-DE" smtClean="0"/>
+              <a:pPr/>
+              <a:t>43</a:t>
+            </a:fld>
+            <a:endParaRPr lang="de-DE" dirty="0"/>
+          </a:p>
+        </p:txBody>
+      </p:sp>
+      <p:sp>
+        <p:nvSpPr>
+          <p:cNvPr id="4" name="Content Placeholder 3"/>
+          <p:cNvSpPr>
+            <a:spLocks noGrp="1"/>
+          </p:cNvSpPr>
+          <p:nvPr>
+            <p:ph sz="half" idx="1"/>
+          </p:nvPr>
+        </p:nvSpPr>
+        <p:spPr/>
+        <p:txBody>
+          <a:bodyPr/>
+          <a:lstStyle/>
+          <a:p>
+            <a:r>
+              <a:rPr lang="pt-PT" b="1" dirty="0" smtClean="0"/>
+              <a:t>13.1.</a:t>
+            </a:r>
+            <a:r>
+              <a:rPr lang="pt-PT" dirty="0" smtClean="0"/>
+              <a:t> Solicite o nome completo </a:t>
+            </a:r>
+            <a:r>
+              <a:rPr lang="pt-PT" dirty="0"/>
+              <a:t>a</a:t>
+            </a:r>
+            <a:r>
+              <a:rPr lang="pt-PT" dirty="0" smtClean="0"/>
+              <a:t>o utilizador e apresente o seguinte:</a:t>
+            </a:r>
+          </a:p>
+          <a:p>
+            <a:pPr marL="342900" indent="-342900">
+              <a:buFont typeface="Arial" panose="020B0604020202020204" pitchFamily="34" charset="0"/>
+              <a:buChar char="•"/>
+            </a:pPr>
+            <a:r>
+              <a:rPr lang="pt-PT" dirty="0" smtClean="0"/>
+              <a:t>Tamanho total do nome (X caracteres);</a:t>
+            </a:r>
+          </a:p>
+          <a:p>
+            <a:pPr marL="342900" indent="-342900">
+              <a:buFont typeface="Arial" panose="020B0604020202020204" pitchFamily="34" charset="0"/>
+              <a:buChar char="•"/>
+            </a:pPr>
+            <a:r>
+              <a:rPr lang="pt-PT" dirty="0" smtClean="0"/>
+              <a:t>Local onde aparece pela primeira vez o caracter ‘a’ ou o ‘A’;</a:t>
+            </a:r>
+          </a:p>
+          <a:p>
+            <a:pPr marL="342900" indent="-342900">
+              <a:buFont typeface="Arial" panose="020B0604020202020204" pitchFamily="34" charset="0"/>
+              <a:buChar char="•"/>
+            </a:pPr>
+            <a:r>
+              <a:rPr lang="pt-PT" dirty="0" smtClean="0"/>
+              <a:t>Local onde aparece pela última vez o caracter ‘0’;</a:t>
+            </a:r>
+            <a:endParaRPr lang="pt-PT" dirty="0"/>
+          </a:p>
+        </p:txBody>
+      </p:sp>
+      <p:sp>
+        <p:nvSpPr>
+          <p:cNvPr id="5" name="Title 4"/>
+          <p:cNvSpPr>
+            <a:spLocks noGrp="1"/>
+          </p:cNvSpPr>
+          <p:nvPr>
+            <p:ph type="title"/>
+          </p:nvPr>
+        </p:nvSpPr>
+        <p:spPr/>
+        <p:txBody>
+          <a:bodyPr/>
+          <a:lstStyle/>
+          <a:p>
+            <a:r>
+              <a:rPr lang="pt-PT" dirty="0" smtClean="0"/>
+              <a:t>Exercícios</a:t>
+            </a:r>
+            <a:endParaRPr lang="pt-PT" dirty="0"/>
+          </a:p>
+        </p:txBody>
+      </p:sp>
+    </p:spTree>
+    <p:extLst>
+      <p:ext uri="{BB962C8B-B14F-4D97-AF65-F5344CB8AC3E}">
+        <p14:creationId xmlns:p14="http://schemas.microsoft.com/office/powerpoint/2010/main" val="265875341"/>
+      </p:ext>
+    </p:extLst>
+  </p:cSld>
+  <p:clrMapOvr>
+    <a:masterClrMapping/>
+  </p:clrMapOvr>
+  <p:transition>
+    <p:cut/>
+  </p:transition>
+</p:sld>
+</file>
+
+<file path=ppt/slides/slide44.xml><?xml version="1.0" encoding="utf-8"?>
+<p:sld xmlns:a="http://schemas.openxmlformats.org/drawingml/2006/main" xmlns:r="http://schemas.openxmlformats.org/officeDocument/2006/relationships" xmlns:p="http://schemas.openxmlformats.org/presentationml/2006/main">
+  <p:cSld>
+    <p:spTree>
+      <p:nvGrpSpPr>
+        <p:cNvPr id="1" name=""/>
+        <p:cNvGrpSpPr/>
+        <p:nvPr/>
+      </p:nvGrpSpPr>
+      <p:grpSpPr>
+        <a:xfrm>
+          <a:off x="0" y="0"/>
+          <a:ext cx="0" cy="0"/>
+          <a:chOff x="0" y="0"/>
+          <a:chExt cx="0" cy="0"/>
+        </a:xfrm>
+      </p:grpSpPr>
+      <p:sp>
+        <p:nvSpPr>
+          <p:cNvPr id="2" name="Date Placeholder 1"/>
+          <p:cNvSpPr>
+            <a:spLocks noGrp="1"/>
+          </p:cNvSpPr>
+          <p:nvPr>
+            <p:ph type="dt" sz="half" idx="10"/>
+          </p:nvPr>
+        </p:nvSpPr>
+        <p:spPr/>
+        <p:txBody>
+          <a:bodyPr/>
+          <a:lstStyle/>
+          <a:p>
+            <a:r>
+              <a:rPr lang="pt-PT" smtClean="0"/>
+              <a:t>www.atec.pt</a:t>
+            </a:r>
+            <a:endParaRPr lang="de-DE" dirty="0"/>
+          </a:p>
+        </p:txBody>
+      </p:sp>
+      <p:sp>
+        <p:nvSpPr>
+          <p:cNvPr id="3" name="Slide Number Placeholder 2"/>
+          <p:cNvSpPr>
+            <a:spLocks noGrp="1"/>
+          </p:cNvSpPr>
+          <p:nvPr>
+            <p:ph type="sldNum" sz="quarter" idx="12"/>
+          </p:nvPr>
+        </p:nvSpPr>
+        <p:spPr/>
+        <p:txBody>
+          <a:bodyPr/>
+          <a:lstStyle/>
+          <a:p>
+            <a:r>
+              <a:rPr lang="de-DE" smtClean="0"/>
+              <a:t>Page </a:t>
+            </a:r>
+            <a:fld id="{A5BB97A9-7D72-4F8F-8BC5-4E547C3F4DC5}" type="slidenum">
+              <a:rPr lang="de-DE" smtClean="0"/>
+              <a:pPr/>
+              <a:t>44</a:t>
+            </a:fld>
+            <a:endParaRPr lang="de-DE" dirty="0"/>
+          </a:p>
+        </p:txBody>
+      </p:sp>
+      <p:sp>
+        <p:nvSpPr>
+          <p:cNvPr id="4" name="Content Placeholder 3"/>
+          <p:cNvSpPr>
+            <a:spLocks noGrp="1"/>
+          </p:cNvSpPr>
+          <p:nvPr>
+            <p:ph sz="half" idx="1"/>
+          </p:nvPr>
+        </p:nvSpPr>
+        <p:spPr/>
+        <p:txBody>
+          <a:bodyPr>
+            <a:normAutofit fontScale="77500" lnSpcReduction="20000"/>
+          </a:bodyPr>
+          <a:lstStyle/>
+          <a:p>
+            <a:r>
+              <a:rPr lang="pt-PT" b="1" dirty="0" smtClean="0"/>
+              <a:t>13.2.</a:t>
+            </a:r>
+            <a:r>
+              <a:rPr lang="pt-PT" dirty="0" smtClean="0"/>
+              <a:t> Solicite o nome completo </a:t>
+            </a:r>
+            <a:r>
+              <a:rPr lang="pt-PT" dirty="0"/>
+              <a:t>a</a:t>
+            </a:r>
+            <a:r>
+              <a:rPr lang="pt-PT" dirty="0" smtClean="0"/>
+              <a:t>o utilizador e apresente o nome no formato </a:t>
+            </a:r>
+          </a:p>
+          <a:p>
+            <a:r>
+              <a:rPr lang="pt-PT" dirty="0" smtClean="0"/>
+              <a:t>&lt;ultimo nome&gt;, &lt;primeiro nome&gt;</a:t>
+            </a:r>
+          </a:p>
+          <a:p>
+            <a:r>
+              <a:rPr lang="pt-PT" dirty="0"/>
+              <a:t>Se for o nome do utilizador for “John Doe” deve imprimir “Doe, John”.</a:t>
+            </a:r>
+          </a:p>
+          <a:p>
+            <a:endParaRPr lang="pt-PT" dirty="0" smtClean="0"/>
+          </a:p>
+          <a:p>
+            <a:r>
+              <a:rPr lang="pt-PT" dirty="0" smtClean="0"/>
+              <a:t>Considere que o nome pode ter mais do que 2 nomes, nesse caso pretendemos obter o mesmo output, exemplo “António Jorge Vaz” deve mostrar “Vaz, António”</a:t>
+            </a:r>
+          </a:p>
+          <a:p>
+            <a:endParaRPr lang="pt-PT" dirty="0" smtClean="0"/>
+          </a:p>
+          <a:p>
+            <a:r>
+              <a:rPr lang="pt-PT" b="1" dirty="0" smtClean="0"/>
+              <a:t>b)</a:t>
+            </a:r>
+            <a:r>
+              <a:rPr lang="pt-PT" dirty="0" smtClean="0"/>
+              <a:t> Caso o nome introduzido seja de facto “John Doe” imprima a seguinte mensagem “Elou </a:t>
+            </a:r>
+            <a:r>
+              <a:rPr lang="pt-PT" dirty="0" err="1" smtClean="0"/>
+              <a:t>Jone</a:t>
+            </a:r>
+            <a:r>
+              <a:rPr lang="pt-PT" dirty="0" smtClean="0"/>
+              <a:t> </a:t>
+            </a:r>
+            <a:r>
+              <a:rPr lang="pt-PT" dirty="0" err="1" smtClean="0"/>
+              <a:t>doue</a:t>
+            </a:r>
+            <a:r>
+              <a:rPr lang="pt-PT" dirty="0" smtClean="0"/>
+              <a:t> au ar </a:t>
+            </a:r>
+            <a:r>
+              <a:rPr lang="pt-PT" dirty="0" err="1" smtClean="0"/>
+              <a:t>iu</a:t>
+            </a:r>
+            <a:r>
+              <a:rPr lang="pt-PT" dirty="0" smtClean="0"/>
+              <a:t>?”</a:t>
+            </a:r>
+          </a:p>
+          <a:p>
+            <a:endParaRPr lang="pt-PT" dirty="0" smtClean="0"/>
+          </a:p>
+          <a:p>
+            <a:r>
+              <a:rPr lang="pt-PT" b="1" dirty="0" smtClean="0"/>
+              <a:t>c)</a:t>
+            </a:r>
+            <a:r>
+              <a:rPr lang="pt-PT" dirty="0" smtClean="0"/>
+              <a:t> Considere que caso  o utilizador insira o nome em maiúsculas ou minúsculas o resultado final deve ser sempre mostrado em “</a:t>
+            </a:r>
+            <a:r>
+              <a:rPr lang="pt-PT" b="1" i="1" dirty="0" err="1" smtClean="0"/>
+              <a:t>camel</a:t>
+            </a:r>
+            <a:r>
+              <a:rPr lang="pt-PT" b="1" i="1" dirty="0" smtClean="0"/>
+              <a:t> case</a:t>
+            </a:r>
+            <a:r>
+              <a:rPr lang="pt-PT" i="1" dirty="0" smtClean="0"/>
+              <a:t>”</a:t>
+            </a:r>
+            <a:endParaRPr lang="pt-PT" i="1" dirty="0"/>
+          </a:p>
+        </p:txBody>
+      </p:sp>
+      <p:sp>
+        <p:nvSpPr>
+          <p:cNvPr id="5" name="Title 4"/>
+          <p:cNvSpPr>
+            <a:spLocks noGrp="1"/>
+          </p:cNvSpPr>
+          <p:nvPr>
+            <p:ph type="title"/>
+          </p:nvPr>
+        </p:nvSpPr>
+        <p:spPr/>
+        <p:txBody>
+          <a:bodyPr/>
+          <a:lstStyle/>
+          <a:p>
+            <a:r>
+              <a:rPr lang="pt-PT" dirty="0" smtClean="0"/>
+              <a:t>Exercícios</a:t>
+            </a:r>
+            <a:endParaRPr lang="pt-PT" dirty="0"/>
+          </a:p>
+        </p:txBody>
+      </p:sp>
+    </p:spTree>
+    <p:extLst>
+      <p:ext uri="{BB962C8B-B14F-4D97-AF65-F5344CB8AC3E}">
+        <p14:creationId xmlns:p14="http://schemas.microsoft.com/office/powerpoint/2010/main" val="1954094865"/>
+      </p:ext>
+    </p:extLst>
+  </p:cSld>
+  <p:clrMapOvr>
+    <a:masterClrMapping/>
+  </p:clrMapOvr>
+  <p:transition>
+    <p:cut/>
+  </p:transition>
+</p:sld>
+</file>
+
+<file path=ppt/slides/slide45.xml><?xml version="1.0" encoding="utf-8"?>
+<p:sld xmlns:a="http://schemas.openxmlformats.org/drawingml/2006/main" xmlns:r="http://schemas.openxmlformats.org/officeDocument/2006/relationships" xmlns:p="http://schemas.openxmlformats.org/presentationml/2006/main">
+  <p:cSld>
+    <p:spTree>
+      <p:nvGrpSpPr>
+        <p:cNvPr id="1" name=""/>
+        <p:cNvGrpSpPr/>
+        <p:nvPr/>
+      </p:nvGrpSpPr>
+      <p:grpSpPr>
+        <a:xfrm>
+          <a:off x="0" y="0"/>
+          <a:ext cx="0" cy="0"/>
+          <a:chOff x="0" y="0"/>
+          <a:chExt cx="0" cy="0"/>
+        </a:xfrm>
+      </p:grpSpPr>
+      <p:sp>
+        <p:nvSpPr>
+          <p:cNvPr id="2" name="Date Placeholder 1"/>
+          <p:cNvSpPr>
+            <a:spLocks noGrp="1"/>
+          </p:cNvSpPr>
+          <p:nvPr>
+            <p:ph type="dt" sz="half" idx="10"/>
+          </p:nvPr>
+        </p:nvSpPr>
+        <p:spPr/>
+        <p:txBody>
+          <a:bodyPr/>
+          <a:lstStyle/>
+          <a:p>
+            <a:r>
+              <a:rPr lang="pt-PT" smtClean="0"/>
+              <a:t>www.atec.pt</a:t>
+            </a:r>
+            <a:endParaRPr lang="de-DE" dirty="0"/>
+          </a:p>
+        </p:txBody>
+      </p:sp>
+      <p:sp>
+        <p:nvSpPr>
+          <p:cNvPr id="3" name="Slide Number Placeholder 2"/>
+          <p:cNvSpPr>
+            <a:spLocks noGrp="1"/>
+          </p:cNvSpPr>
+          <p:nvPr>
+            <p:ph type="sldNum" sz="quarter" idx="12"/>
+          </p:nvPr>
+        </p:nvSpPr>
+        <p:spPr/>
+        <p:txBody>
+          <a:bodyPr/>
+          <a:lstStyle/>
+          <a:p>
+            <a:r>
+              <a:rPr lang="de-DE" smtClean="0"/>
+              <a:t>Page </a:t>
+            </a:r>
+            <a:fld id="{A5BB97A9-7D72-4F8F-8BC5-4E547C3F4DC5}" type="slidenum">
+              <a:rPr lang="de-DE" smtClean="0"/>
+              <a:pPr/>
+              <a:t>45</a:t>
+            </a:fld>
+            <a:endParaRPr lang="de-DE" dirty="0"/>
+          </a:p>
+        </p:txBody>
+      </p:sp>
+      <p:sp>
+        <p:nvSpPr>
+          <p:cNvPr id="4" name="Content Placeholder 3"/>
+          <p:cNvSpPr>
+            <a:spLocks noGrp="1"/>
+          </p:cNvSpPr>
+          <p:nvPr>
+            <p:ph sz="half" idx="1"/>
+          </p:nvPr>
+        </p:nvSpPr>
+        <p:spPr/>
+        <p:txBody>
+          <a:bodyPr>
+            <a:normAutofit fontScale="92500" lnSpcReduction="10000"/>
+          </a:bodyPr>
+          <a:lstStyle/>
+          <a:p>
+            <a:r>
+              <a:rPr lang="pt-PT" b="1" dirty="0" smtClean="0"/>
+              <a:t>14.1.</a:t>
+            </a:r>
+            <a:r>
+              <a:rPr lang="pt-PT" dirty="0" smtClean="0"/>
+              <a:t> Faça um programa que permita ler um valor inteiro, caso esse valor seja superior a 100 </a:t>
+            </a:r>
+            <a:r>
+              <a:rPr lang="pt-PT" u="sng" dirty="0" smtClean="0"/>
+              <a:t>imprima exatamente a seguinte mensagem </a:t>
+            </a:r>
+          </a:p>
+          <a:p>
+            <a:r>
+              <a:rPr lang="pt-PT" b="1" dirty="0" smtClean="0"/>
+              <a:t>“sem ‘(‘sim com um “s”, e não, não é um erro’)’”</a:t>
+            </a:r>
+          </a:p>
+          <a:p>
+            <a:endParaRPr lang="pt-PT" dirty="0"/>
+          </a:p>
+          <a:p>
+            <a:r>
+              <a:rPr lang="pt-PT" b="1" dirty="0" smtClean="0"/>
+              <a:t>14.2</a:t>
+            </a:r>
+            <a:r>
+              <a:rPr lang="pt-PT" dirty="0" smtClean="0"/>
+              <a:t> Permita ler um valor decimal e caso seja superior a 3,14159265359 imprima a mensagem “gr8 th4n PI”;</a:t>
+            </a:r>
+          </a:p>
+          <a:p>
+            <a:endParaRPr lang="pt-PT" dirty="0"/>
+          </a:p>
+          <a:p>
+            <a:r>
+              <a:rPr lang="pt-PT" b="1" dirty="0" smtClean="0"/>
+              <a:t>14.3</a:t>
+            </a:r>
+            <a:r>
+              <a:rPr lang="pt-PT" dirty="0" smtClean="0"/>
+              <a:t> Permita ler uma </a:t>
+            </a:r>
+            <a:r>
+              <a:rPr lang="pt-PT" dirty="0" err="1" smtClean="0"/>
+              <a:t>string</a:t>
+            </a:r>
+            <a:r>
+              <a:rPr lang="pt-PT" dirty="0" smtClean="0"/>
+              <a:t> e caso a </a:t>
+            </a:r>
+            <a:r>
+              <a:rPr lang="pt-PT" dirty="0" err="1" smtClean="0"/>
+              <a:t>string</a:t>
+            </a:r>
+            <a:r>
+              <a:rPr lang="pt-PT" dirty="0" smtClean="0"/>
+              <a:t> tiver o caracter “P” (em </a:t>
+            </a:r>
+            <a:r>
+              <a:rPr lang="pt-PT" dirty="0" err="1" smtClean="0"/>
+              <a:t>maíscula</a:t>
+            </a:r>
+            <a:r>
+              <a:rPr lang="pt-PT" dirty="0" smtClean="0"/>
+              <a:t> apenas) deve imprimir a mensagem </a:t>
+            </a:r>
+          </a:p>
+          <a:p>
+            <a:r>
+              <a:rPr lang="pt-PT" dirty="0" smtClean="0"/>
+              <a:t>“</a:t>
+            </a:r>
+            <a:r>
+              <a:rPr lang="pt-PT" dirty="0" err="1" smtClean="0"/>
+              <a:t>found</a:t>
+            </a:r>
+            <a:r>
+              <a:rPr lang="pt-PT" dirty="0" smtClean="0"/>
+              <a:t> a P” + X + “ times” // X é o número de vezes </a:t>
+            </a:r>
+            <a:r>
+              <a:rPr lang="pt-PT" smtClean="0"/>
+              <a:t>que 				      //aparece </a:t>
+            </a:r>
+            <a:r>
+              <a:rPr lang="pt-PT" dirty="0" smtClean="0"/>
+              <a:t>o “P” na </a:t>
+            </a:r>
+            <a:r>
+              <a:rPr lang="pt-PT" dirty="0" err="1" smtClean="0"/>
+              <a:t>string</a:t>
+            </a:r>
+            <a:endParaRPr lang="pt-PT" dirty="0" smtClean="0"/>
+          </a:p>
+        </p:txBody>
+      </p:sp>
+      <p:sp>
+        <p:nvSpPr>
+          <p:cNvPr id="5" name="Title 4"/>
+          <p:cNvSpPr>
+            <a:spLocks noGrp="1"/>
+          </p:cNvSpPr>
+          <p:nvPr>
+            <p:ph type="title"/>
+          </p:nvPr>
+        </p:nvSpPr>
+        <p:spPr/>
+        <p:txBody>
+          <a:bodyPr/>
+          <a:lstStyle/>
+          <a:p>
+            <a:r>
+              <a:rPr lang="pt-PT" dirty="0" smtClean="0"/>
+              <a:t>Exercícios</a:t>
+            </a:r>
+            <a:endParaRPr lang="pt-PT" dirty="0"/>
+          </a:p>
+        </p:txBody>
+      </p:sp>
+    </p:spTree>
+    <p:extLst>
+      <p:ext uri="{BB962C8B-B14F-4D97-AF65-F5344CB8AC3E}">
+        <p14:creationId xmlns:p14="http://schemas.microsoft.com/office/powerpoint/2010/main" val="2597988728"/>
+      </p:ext>
+    </p:extLst>
+  </p:cSld>
+  <p:clrMapOvr>
+    <a:masterClrMapping/>
+  </p:clrMapOvr>
+  <p:transition>
+    <p:cut/>
+  </p:transition>
+</p:sld>
+</file>
+
+<file path=ppt/slides/slide46.xml><?xml version="1.0" encoding="utf-8"?>
+<p:sld xmlns:a="http://schemas.openxmlformats.org/drawingml/2006/main" xmlns:r="http://schemas.openxmlformats.org/officeDocument/2006/relationships" xmlns:p="http://schemas.openxmlformats.org/presentationml/2006/main">
+  <p:cSld>
+    <p:spTree>
+      <p:nvGrpSpPr>
+        <p:cNvPr id="1" name=""/>
+        <p:cNvGrpSpPr/>
+        <p:nvPr/>
+      </p:nvGrpSpPr>
+      <p:grpSpPr>
+        <a:xfrm>
+          <a:off x="0" y="0"/>
+          <a:ext cx="0" cy="0"/>
+          <a:chOff x="0" y="0"/>
+          <a:chExt cx="0" cy="0"/>
+        </a:xfrm>
+      </p:grpSpPr>
+      <p:sp>
+        <p:nvSpPr>
+          <p:cNvPr id="2" name="Date Placeholder 1"/>
+          <p:cNvSpPr>
+            <a:spLocks noGrp="1"/>
+          </p:cNvSpPr>
+          <p:nvPr>
+            <p:ph type="dt" sz="half" idx="10"/>
+          </p:nvPr>
+        </p:nvSpPr>
+        <p:spPr/>
+        <p:txBody>
+          <a:bodyPr/>
+          <a:lstStyle/>
+          <a:p>
+            <a:r>
+              <a:rPr lang="pt-PT" smtClean="0"/>
+              <a:t>www.atec.pt</a:t>
+            </a:r>
+            <a:endParaRPr lang="de-DE" dirty="0"/>
+          </a:p>
+        </p:txBody>
+      </p:sp>
+      <p:sp>
+        <p:nvSpPr>
+          <p:cNvPr id="3" name="Slide Number Placeholder 2"/>
+          <p:cNvSpPr>
+            <a:spLocks noGrp="1"/>
+          </p:cNvSpPr>
+          <p:nvPr>
+            <p:ph type="sldNum" sz="quarter" idx="12"/>
+          </p:nvPr>
+        </p:nvSpPr>
+        <p:spPr/>
+        <p:txBody>
+          <a:bodyPr/>
+          <a:lstStyle/>
+          <a:p>
+            <a:r>
+              <a:rPr lang="de-DE" smtClean="0"/>
+              <a:t>Page </a:t>
+            </a:r>
+            <a:fld id="{A5BB97A9-7D72-4F8F-8BC5-4E547C3F4DC5}" type="slidenum">
+              <a:rPr lang="de-DE" smtClean="0"/>
+              <a:pPr/>
+              <a:t>46</a:t>
+            </a:fld>
+            <a:endParaRPr lang="de-DE" dirty="0"/>
+          </a:p>
+        </p:txBody>
+      </p:sp>
+      <p:sp>
+        <p:nvSpPr>
+          <p:cNvPr id="4" name="Content Placeholder 3"/>
+          <p:cNvSpPr>
+            <a:spLocks noGrp="1"/>
+          </p:cNvSpPr>
+          <p:nvPr>
+            <p:ph sz="half" idx="1"/>
+          </p:nvPr>
+        </p:nvSpPr>
+        <p:spPr/>
+        <p:txBody>
+          <a:bodyPr>
+            <a:normAutofit/>
+          </a:bodyPr>
+          <a:lstStyle/>
+          <a:p>
+            <a:r>
+              <a:rPr lang="pt-PT" b="1" dirty="0" smtClean="0"/>
+              <a:t>15.</a:t>
+            </a:r>
+            <a:r>
+              <a:rPr lang="pt-PT" dirty="0" smtClean="0"/>
+              <a:t> Elabore um programa que aceite 3 parâmetros passados pela consola, o primeiro um inteiro, o segundo um valor decimal e por fim o ultimo parâmetro deve ser uma </a:t>
+            </a:r>
+            <a:r>
+              <a:rPr lang="pt-PT" dirty="0" err="1" smtClean="0"/>
+              <a:t>String</a:t>
+            </a:r>
+            <a:r>
+              <a:rPr lang="pt-PT" dirty="0" smtClean="0"/>
+              <a:t>.</a:t>
+            </a:r>
+          </a:p>
+          <a:p>
+            <a:endParaRPr lang="pt-PT" dirty="0"/>
+          </a:p>
+          <a:p>
+            <a:r>
+              <a:rPr lang="pt-PT" dirty="0" smtClean="0"/>
+              <a:t>Imprima cada um dos parâmetros colocando o caracter ‘-’ antes e depois do valor a ser impresso.</a:t>
+            </a:r>
+          </a:p>
+          <a:p>
+            <a:endParaRPr lang="pt-PT" dirty="0"/>
+          </a:p>
+          <a:p>
+            <a:r>
+              <a:rPr lang="pt-PT" dirty="0" smtClean="0"/>
+              <a:t>Exemplo: para um valor do primeiro parâmetro = 5, deve imprimir “Primeiro parâmetro -5-”.</a:t>
+            </a:r>
+          </a:p>
+        </p:txBody>
+      </p:sp>
+      <p:sp>
+        <p:nvSpPr>
+          <p:cNvPr id="5" name="Title 4"/>
+          <p:cNvSpPr>
+            <a:spLocks noGrp="1"/>
+          </p:cNvSpPr>
+          <p:nvPr>
+            <p:ph type="title"/>
+          </p:nvPr>
+        </p:nvSpPr>
+        <p:spPr/>
+        <p:txBody>
+          <a:bodyPr/>
+          <a:lstStyle/>
+          <a:p>
+            <a:r>
+              <a:rPr lang="pt-PT" dirty="0" smtClean="0"/>
+              <a:t>Exercícios</a:t>
+            </a:r>
+            <a:endParaRPr lang="pt-PT" dirty="0"/>
+          </a:p>
+        </p:txBody>
+      </p:sp>
+    </p:spTree>
+    <p:extLst>
+      <p:ext uri="{BB962C8B-B14F-4D97-AF65-F5344CB8AC3E}">
+        <p14:creationId xmlns:p14="http://schemas.microsoft.com/office/powerpoint/2010/main" val="101706364"/>
+      </p:ext>
+    </p:extLst>
+  </p:cSld>
+  <p:clrMapOvr>
+    <a:masterClrMapping/>
+  </p:clrMapOvr>
+  <p:transition>
+    <p:cut/>
+  </p:transition>
+</p:sld>
+</file>
+
+<file path=ppt/slides/slide47.xml><?xml version="1.0" encoding="utf-8"?>
+<p:sld xmlns:a="http://schemas.openxmlformats.org/drawingml/2006/main" xmlns:r="http://schemas.openxmlformats.org/officeDocument/2006/relationships" xmlns:p="http://schemas.openxmlformats.org/presentationml/2006/main">
+  <p:cSld>
+    <p:spTree>
+      <p:nvGrpSpPr>
+        <p:cNvPr id="1" name=""/>
+        <p:cNvGrpSpPr/>
+        <p:nvPr/>
+      </p:nvGrpSpPr>
+      <p:grpSpPr>
+        <a:xfrm>
+          <a:off x="0" y="0"/>
+          <a:ext cx="0" cy="0"/>
+          <a:chOff x="0" y="0"/>
+          <a:chExt cx="0" cy="0"/>
+        </a:xfrm>
+      </p:grpSpPr>
+      <p:sp>
+        <p:nvSpPr>
+          <p:cNvPr id="2" name="Date Placeholder 1"/>
+          <p:cNvSpPr>
+            <a:spLocks noGrp="1"/>
+          </p:cNvSpPr>
+          <p:nvPr>
+            <p:ph type="dt" sz="half" idx="10"/>
+          </p:nvPr>
+        </p:nvSpPr>
+        <p:spPr/>
+        <p:txBody>
+          <a:bodyPr/>
+          <a:lstStyle/>
+          <a:p>
+            <a:r>
+              <a:rPr lang="pt-PT" smtClean="0"/>
+              <a:t>www.atec.pt</a:t>
+            </a:r>
+            <a:endParaRPr lang="de-DE" dirty="0"/>
+          </a:p>
+        </p:txBody>
+      </p:sp>
+      <p:sp>
+        <p:nvSpPr>
+          <p:cNvPr id="3" name="Slide Number Placeholder 2"/>
+          <p:cNvSpPr>
+            <a:spLocks noGrp="1"/>
+          </p:cNvSpPr>
+          <p:nvPr>
+            <p:ph type="sldNum" sz="quarter" idx="12"/>
+          </p:nvPr>
+        </p:nvSpPr>
+        <p:spPr/>
+        <p:txBody>
+          <a:bodyPr/>
+          <a:lstStyle/>
+          <a:p>
+            <a:r>
+              <a:rPr lang="de-DE" smtClean="0"/>
+              <a:t>Page </a:t>
+            </a:r>
+            <a:fld id="{A5BB97A9-7D72-4F8F-8BC5-4E547C3F4DC5}" type="slidenum">
+              <a:rPr lang="de-DE" smtClean="0"/>
+              <a:pPr/>
+              <a:t>47</a:t>
+            </a:fld>
+            <a:endParaRPr lang="de-DE" dirty="0"/>
+          </a:p>
+        </p:txBody>
+      </p:sp>
+      <p:sp>
+        <p:nvSpPr>
+          <p:cNvPr id="4" name="Content Placeholder 3"/>
+          <p:cNvSpPr>
+            <a:spLocks noGrp="1"/>
+          </p:cNvSpPr>
+          <p:nvPr>
+            <p:ph sz="half" idx="1"/>
+          </p:nvPr>
+        </p:nvSpPr>
+        <p:spPr/>
+        <p:txBody>
+          <a:bodyPr/>
+          <a:lstStyle/>
+          <a:p>
+            <a:r>
+              <a:rPr lang="pt-PT" b="1" dirty="0" smtClean="0"/>
+              <a:t>16.</a:t>
+            </a:r>
+            <a:r>
+              <a:rPr lang="pt-PT" dirty="0" smtClean="0"/>
+              <a:t> Faça um programa que peça ao utilizador 10 valores inteiros e os guarde num </a:t>
+            </a:r>
+            <a:r>
+              <a:rPr lang="pt-PT" dirty="0" err="1" smtClean="0"/>
+              <a:t>array</a:t>
+            </a:r>
+            <a:r>
+              <a:rPr lang="pt-PT" dirty="0" smtClean="0"/>
+              <a:t>, de seguida faça:</a:t>
+            </a:r>
+          </a:p>
+          <a:p>
+            <a:pPr marL="342900" indent="-342900">
+              <a:buFont typeface="Arial" panose="020B0604020202020204" pitchFamily="34" charset="0"/>
+              <a:buChar char="•"/>
+            </a:pPr>
+            <a:r>
+              <a:rPr lang="pt-PT" dirty="0" smtClean="0"/>
+              <a:t>Mostre o </a:t>
+            </a:r>
+            <a:r>
+              <a:rPr lang="pt-PT" dirty="0" err="1" smtClean="0"/>
+              <a:t>array</a:t>
+            </a:r>
+            <a:r>
+              <a:rPr lang="pt-PT" dirty="0" smtClean="0"/>
+              <a:t> da primeira posição até à ultima numa única linha, separando cada elemento por vírgulas. Ex.: 	4, 5, 7, 2, 1, 7, 6, 5, 6, 8</a:t>
+            </a:r>
+          </a:p>
+          <a:p>
+            <a:pPr marL="342900" indent="-342900">
+              <a:buFont typeface="Arial" panose="020B0604020202020204" pitchFamily="34" charset="0"/>
+              <a:buChar char="•"/>
+            </a:pPr>
+            <a:r>
+              <a:rPr lang="pt-PT" dirty="0" smtClean="0"/>
+              <a:t>Mostre o </a:t>
+            </a:r>
+            <a:r>
+              <a:rPr lang="pt-PT" dirty="0" err="1" smtClean="0"/>
+              <a:t>array</a:t>
+            </a:r>
+            <a:r>
+              <a:rPr lang="pt-PT" dirty="0" smtClean="0"/>
+              <a:t> pela ordem inversa de introdução, ou seja, para o exemplo acima deve ficar: Ex.: </a:t>
+            </a:r>
+          </a:p>
+          <a:p>
+            <a:r>
+              <a:rPr lang="pt-PT" dirty="0" smtClean="0"/>
+              <a:t>	8, 6, 5, 6, 7, 1, 2, 7, 5, 4</a:t>
+            </a:r>
+          </a:p>
+          <a:p>
+            <a:endParaRPr lang="pt-PT" b="1" dirty="0" smtClean="0"/>
+          </a:p>
+          <a:p>
+            <a:r>
+              <a:rPr lang="pt-PT" b="1" dirty="0" smtClean="0"/>
+              <a:t>b)</a:t>
+            </a:r>
+            <a:r>
+              <a:rPr lang="pt-PT" dirty="0" smtClean="0"/>
+              <a:t> Imprima apenas valores superiores a 2 e inferiores a 8;</a:t>
+            </a:r>
+            <a:endParaRPr lang="pt-PT" dirty="0"/>
+          </a:p>
+        </p:txBody>
+      </p:sp>
+      <p:sp>
+        <p:nvSpPr>
+          <p:cNvPr id="5" name="Title 4"/>
+          <p:cNvSpPr>
+            <a:spLocks noGrp="1"/>
+          </p:cNvSpPr>
+          <p:nvPr>
+            <p:ph type="title"/>
+          </p:nvPr>
+        </p:nvSpPr>
+        <p:spPr/>
+        <p:txBody>
+          <a:bodyPr/>
+          <a:lstStyle/>
+          <a:p>
+            <a:r>
+              <a:rPr lang="pt-PT" dirty="0" smtClean="0"/>
+              <a:t>Exercícios</a:t>
+            </a:r>
+            <a:endParaRPr lang="pt-PT" dirty="0"/>
+          </a:p>
+        </p:txBody>
+      </p:sp>
+    </p:spTree>
+    <p:extLst>
+      <p:ext uri="{BB962C8B-B14F-4D97-AF65-F5344CB8AC3E}">
+        <p14:creationId xmlns:p14="http://schemas.microsoft.com/office/powerpoint/2010/main" val="3770561617"/>
+      </p:ext>
+    </p:extLst>
+  </p:cSld>
+  <p:clrMapOvr>
+    <a:masterClrMapping/>
+  </p:clrMapOvr>
+  <p:transition>
+    <p:cut/>
+  </p:transition>
+</p:sld>
+</file>
+
+<file path=ppt/slides/slide48.xml><?xml version="1.0" encoding="utf-8"?>
+<p:sld xmlns:a="http://schemas.openxmlformats.org/drawingml/2006/main" xmlns:r="http://schemas.openxmlformats.org/officeDocument/2006/relationships" xmlns:p="http://schemas.openxmlformats.org/presentationml/2006/main">
+  <p:cSld>
+    <p:spTree>
+      <p:nvGrpSpPr>
+        <p:cNvPr id="1" name=""/>
+        <p:cNvGrpSpPr/>
+        <p:nvPr/>
+      </p:nvGrpSpPr>
+      <p:grpSpPr>
+        <a:xfrm>
+          <a:off x="0" y="0"/>
+          <a:ext cx="0" cy="0"/>
+          <a:chOff x="0" y="0"/>
+          <a:chExt cx="0" cy="0"/>
+        </a:xfrm>
+      </p:grpSpPr>
+      <p:sp>
+        <p:nvSpPr>
+          <p:cNvPr id="2" name="Date Placeholder 1"/>
+          <p:cNvSpPr>
+            <a:spLocks noGrp="1"/>
+          </p:cNvSpPr>
+          <p:nvPr>
+            <p:ph type="dt" sz="half" idx="10"/>
+          </p:nvPr>
+        </p:nvSpPr>
+        <p:spPr/>
+        <p:txBody>
+          <a:bodyPr/>
+          <a:lstStyle/>
+          <a:p>
+            <a:r>
+              <a:rPr lang="pt-PT" smtClean="0"/>
+              <a:t>www.atec.pt</a:t>
+            </a:r>
+            <a:endParaRPr lang="de-DE" dirty="0"/>
+          </a:p>
+        </p:txBody>
+      </p:sp>
+      <p:sp>
+        <p:nvSpPr>
+          <p:cNvPr id="3" name="Slide Number Placeholder 2"/>
+          <p:cNvSpPr>
+            <a:spLocks noGrp="1"/>
+          </p:cNvSpPr>
+          <p:nvPr>
+            <p:ph type="sldNum" sz="quarter" idx="12"/>
+          </p:nvPr>
+        </p:nvSpPr>
+        <p:spPr/>
+        <p:txBody>
+          <a:bodyPr/>
+          <a:lstStyle/>
+          <a:p>
+            <a:r>
+              <a:rPr lang="de-DE" smtClean="0"/>
+              <a:t>Page </a:t>
+            </a:r>
+            <a:fld id="{A5BB97A9-7D72-4F8F-8BC5-4E547C3F4DC5}" type="slidenum">
+              <a:rPr lang="de-DE" smtClean="0"/>
+              <a:pPr/>
+              <a:t>48</a:t>
+            </a:fld>
+            <a:endParaRPr lang="de-DE" dirty="0"/>
+          </a:p>
+        </p:txBody>
+      </p:sp>
+      <p:sp>
+        <p:nvSpPr>
+          <p:cNvPr id="4" name="Content Placeholder 3"/>
+          <p:cNvSpPr>
+            <a:spLocks noGrp="1"/>
+          </p:cNvSpPr>
+          <p:nvPr>
+            <p:ph sz="half" idx="1"/>
+          </p:nvPr>
+        </p:nvSpPr>
+        <p:spPr/>
+        <p:txBody>
+          <a:bodyPr>
+            <a:normAutofit fontScale="77500" lnSpcReduction="20000"/>
+          </a:bodyPr>
+          <a:lstStyle/>
+          <a:p>
+            <a:r>
+              <a:rPr lang="pt-PT" b="1" dirty="0" smtClean="0"/>
+              <a:t>17.</a:t>
+            </a:r>
+            <a:r>
+              <a:rPr lang="pt-PT" dirty="0" smtClean="0"/>
+              <a:t> Altere o programa anterior para que imprima o somatório, média, o valor maior e o valor menor do </a:t>
+            </a:r>
+            <a:r>
+              <a:rPr lang="pt-PT" dirty="0" err="1" smtClean="0"/>
+              <a:t>array</a:t>
+            </a:r>
+            <a:r>
+              <a:rPr lang="pt-PT" dirty="0" smtClean="0"/>
+              <a:t>.</a:t>
+            </a:r>
+          </a:p>
+          <a:p>
+            <a:endParaRPr lang="pt-PT" dirty="0"/>
+          </a:p>
+          <a:p>
+            <a:r>
+              <a:rPr lang="pt-PT" b="1" dirty="0" smtClean="0"/>
+              <a:t>18.</a:t>
+            </a:r>
+            <a:r>
+              <a:rPr lang="pt-PT" dirty="0" smtClean="0"/>
+              <a:t> Crie um programa que permita imprimir os primeiros N números pares, guarde esses números num </a:t>
+            </a:r>
+            <a:r>
+              <a:rPr lang="pt-PT" dirty="0" err="1" smtClean="0"/>
+              <a:t>array</a:t>
+            </a:r>
+            <a:r>
+              <a:rPr lang="pt-PT" dirty="0" smtClean="0"/>
+              <a:t>. Crie também um outro </a:t>
+            </a:r>
+            <a:r>
+              <a:rPr lang="pt-PT" dirty="0" err="1" smtClean="0"/>
+              <a:t>array</a:t>
+            </a:r>
+            <a:r>
+              <a:rPr lang="pt-PT" dirty="0" smtClean="0"/>
+              <a:t> que guarde os números impares.</a:t>
+            </a:r>
+          </a:p>
+          <a:p>
+            <a:endParaRPr lang="pt-PT" dirty="0"/>
+          </a:p>
+          <a:p>
+            <a:r>
+              <a:rPr lang="pt-PT" dirty="0" smtClean="0"/>
+              <a:t>O N deve ser um valor passado por parâmetro para o programa, deve ser um parâmetro de entrada fornecido na linha de comandos.</a:t>
+            </a:r>
+          </a:p>
+          <a:p>
+            <a:endParaRPr lang="pt-PT" dirty="0"/>
+          </a:p>
+          <a:p>
+            <a:r>
+              <a:rPr lang="pt-PT" b="1" dirty="0" smtClean="0"/>
+              <a:t>b)</a:t>
+            </a:r>
+            <a:r>
+              <a:rPr lang="pt-PT" dirty="0" smtClean="0"/>
+              <a:t> Imprima o  somatório da multiplicação do </a:t>
+            </a:r>
+            <a:r>
+              <a:rPr lang="pt-PT" dirty="0" err="1" smtClean="0"/>
+              <a:t>array</a:t>
+            </a:r>
+            <a:r>
+              <a:rPr lang="pt-PT" dirty="0" smtClean="0"/>
+              <a:t> de pares vezes pelo </a:t>
+            </a:r>
+            <a:r>
+              <a:rPr lang="pt-PT" dirty="0" err="1" smtClean="0"/>
+              <a:t>array</a:t>
+            </a:r>
+            <a:r>
+              <a:rPr lang="pt-PT" dirty="0" smtClean="0"/>
+              <a:t> de impares. Exemplo:</a:t>
+            </a:r>
+          </a:p>
+          <a:p>
+            <a:r>
+              <a:rPr lang="pt-PT" dirty="0" err="1" smtClean="0"/>
+              <a:t>arrPares</a:t>
+            </a:r>
+            <a:r>
+              <a:rPr lang="pt-PT" dirty="0" smtClean="0"/>
+              <a:t>[i] * </a:t>
+            </a:r>
+            <a:r>
+              <a:rPr lang="pt-PT" dirty="0" err="1" smtClean="0"/>
+              <a:t>arrImpares</a:t>
+            </a:r>
+            <a:r>
+              <a:rPr lang="pt-PT" dirty="0" smtClean="0"/>
+              <a:t>[i] + </a:t>
+            </a:r>
+          </a:p>
+          <a:p>
+            <a:r>
+              <a:rPr lang="pt-PT" dirty="0" err="1" smtClean="0"/>
+              <a:t>arrPares</a:t>
+            </a:r>
+            <a:r>
+              <a:rPr lang="pt-PT" dirty="0" smtClean="0"/>
+              <a:t>[i+1] </a:t>
+            </a:r>
+            <a:r>
+              <a:rPr lang="pt-PT" dirty="0"/>
+              <a:t>* </a:t>
+            </a:r>
+            <a:r>
+              <a:rPr lang="pt-PT" dirty="0" err="1" smtClean="0"/>
+              <a:t>arrImpares</a:t>
+            </a:r>
+            <a:r>
+              <a:rPr lang="pt-PT" dirty="0" smtClean="0"/>
+              <a:t>[i+1] …</a:t>
+            </a:r>
+          </a:p>
+          <a:p>
+            <a:r>
+              <a:rPr lang="pt-PT" dirty="0" err="1" smtClean="0"/>
+              <a:t>arrPares</a:t>
+            </a:r>
+            <a:r>
+              <a:rPr lang="pt-PT" dirty="0" smtClean="0"/>
+              <a:t>[N-1</a:t>
+            </a:r>
+            <a:r>
+              <a:rPr lang="pt-PT" dirty="0"/>
+              <a:t>] * </a:t>
+            </a:r>
+            <a:r>
+              <a:rPr lang="pt-PT" dirty="0" err="1" smtClean="0"/>
+              <a:t>arrImpares</a:t>
+            </a:r>
+            <a:r>
+              <a:rPr lang="pt-PT" dirty="0" smtClean="0"/>
+              <a:t>[N-1</a:t>
+            </a:r>
+            <a:r>
+              <a:rPr lang="pt-PT" dirty="0"/>
+              <a:t>]</a:t>
+            </a:r>
+          </a:p>
+        </p:txBody>
+      </p:sp>
+      <p:sp>
+        <p:nvSpPr>
+          <p:cNvPr id="5" name="Title 4"/>
+          <p:cNvSpPr>
+            <a:spLocks noGrp="1"/>
+          </p:cNvSpPr>
+          <p:nvPr>
+            <p:ph type="title"/>
+          </p:nvPr>
+        </p:nvSpPr>
+        <p:spPr/>
+        <p:txBody>
+          <a:bodyPr/>
+          <a:lstStyle/>
+          <a:p>
+            <a:r>
+              <a:rPr lang="pt-PT" dirty="0" smtClean="0"/>
+              <a:t>Exercícios</a:t>
+            </a:r>
+            <a:endParaRPr lang="pt-PT" dirty="0"/>
+          </a:p>
+        </p:txBody>
+      </p:sp>
+    </p:spTree>
+    <p:extLst>
+      <p:ext uri="{BB962C8B-B14F-4D97-AF65-F5344CB8AC3E}">
+        <p14:creationId xmlns:p14="http://schemas.microsoft.com/office/powerpoint/2010/main" val="3448722627"/>
+      </p:ext>
+    </p:extLst>
+  </p:cSld>
+  <p:clrMapOvr>
+    <a:masterClrMapping/>
+  </p:clrMapOvr>
+  <p:transition>
+    <p:cut/>
+  </p:transition>
+</p:sld>
+</file>
+
+<file path=ppt/slides/slide49.xml><?xml version="1.0" encoding="utf-8"?>
+<p:sld xmlns:a="http://schemas.openxmlformats.org/drawingml/2006/main" xmlns:r="http://schemas.openxmlformats.org/officeDocument/2006/relationships" xmlns:p="http://schemas.openxmlformats.org/presentationml/2006/main">
+  <p:cSld>
+    <p:spTree>
+      <p:nvGrpSpPr>
+        <p:cNvPr id="1" name=""/>
+        <p:cNvGrpSpPr/>
+        <p:nvPr/>
+      </p:nvGrpSpPr>
+      <p:grpSpPr>
+        <a:xfrm>
+          <a:off x="0" y="0"/>
+          <a:ext cx="0" cy="0"/>
+          <a:chOff x="0" y="0"/>
+          <a:chExt cx="0" cy="0"/>
+        </a:xfrm>
+      </p:grpSpPr>
+      <p:sp>
+        <p:nvSpPr>
+          <p:cNvPr id="2" name="Date Placeholder 1"/>
+          <p:cNvSpPr>
+            <a:spLocks noGrp="1"/>
+          </p:cNvSpPr>
+          <p:nvPr>
+            <p:ph type="dt" sz="half" idx="10"/>
+          </p:nvPr>
+        </p:nvSpPr>
+        <p:spPr/>
+        <p:txBody>
+          <a:bodyPr/>
+          <a:lstStyle/>
+          <a:p>
+            <a:r>
+              <a:rPr lang="pt-PT" smtClean="0"/>
+              <a:t>www.atec.pt</a:t>
+            </a:r>
+            <a:endParaRPr lang="de-DE" dirty="0"/>
+          </a:p>
+        </p:txBody>
+      </p:sp>
+      <p:sp>
+        <p:nvSpPr>
+          <p:cNvPr id="3" name="Slide Number Placeholder 2"/>
+          <p:cNvSpPr>
+            <a:spLocks noGrp="1"/>
+          </p:cNvSpPr>
+          <p:nvPr>
+            <p:ph type="sldNum" sz="quarter" idx="12"/>
+          </p:nvPr>
+        </p:nvSpPr>
+        <p:spPr/>
+        <p:txBody>
+          <a:bodyPr/>
+          <a:lstStyle/>
+          <a:p>
+            <a:r>
+              <a:rPr lang="de-DE" smtClean="0"/>
+              <a:t>Page </a:t>
+            </a:r>
+            <a:fld id="{A5BB97A9-7D72-4F8F-8BC5-4E547C3F4DC5}" type="slidenum">
+              <a:rPr lang="de-DE" smtClean="0"/>
+              <a:pPr/>
+              <a:t>49</a:t>
+            </a:fld>
+            <a:endParaRPr lang="de-DE" dirty="0"/>
+          </a:p>
+        </p:txBody>
+      </p:sp>
+      <p:sp>
+        <p:nvSpPr>
+          <p:cNvPr id="4" name="Content Placeholder 3"/>
+          <p:cNvSpPr>
+            <a:spLocks noGrp="1"/>
+          </p:cNvSpPr>
+          <p:nvPr>
+            <p:ph sz="half" idx="1"/>
+          </p:nvPr>
+        </p:nvSpPr>
+        <p:spPr/>
+        <p:txBody>
+          <a:bodyPr>
+            <a:normAutofit/>
+          </a:bodyPr>
+          <a:lstStyle/>
+          <a:p>
+            <a:endParaRPr lang="pt-PT" dirty="0"/>
+          </a:p>
+        </p:txBody>
+      </p:sp>
+      <p:sp>
+        <p:nvSpPr>
+          <p:cNvPr id="5" name="Title 4"/>
+          <p:cNvSpPr>
+            <a:spLocks noGrp="1"/>
+          </p:cNvSpPr>
+          <p:nvPr>
+            <p:ph type="title"/>
+          </p:nvPr>
+        </p:nvSpPr>
+        <p:spPr/>
+        <p:txBody>
+          <a:bodyPr/>
+          <a:lstStyle/>
+          <a:p>
+            <a:r>
+              <a:rPr lang="pt-PT" dirty="0" smtClean="0"/>
+              <a:t>Exercícios</a:t>
+            </a:r>
+            <a:endParaRPr lang="pt-PT" dirty="0"/>
+          </a:p>
+        </p:txBody>
+      </p:sp>
+    </p:spTree>
+    <p:extLst>
+      <p:ext uri="{BB962C8B-B14F-4D97-AF65-F5344CB8AC3E}">
+        <p14:creationId xmlns:p14="http://schemas.microsoft.com/office/powerpoint/2010/main" val="3782746197"/>
+      </p:ext>
+    </p:extLst>
+  </p:cSld>
+  <p:clrMapOvr>
+    <a:masterClrMapping/>
+  </p:clrMapOvr>
+  <p:transition>
+    <p:cut/>
+  </p:transition>
 </p:sld>
 </file>
 
